--- a/Izolacija i konkurentni pristup kod PostgreSQL baze podataka.pptx
+++ b/Izolacija i konkurentni pristup kod PostgreSQL baze podataka.pptx
@@ -10,6 +10,10 @@
     <p:sldId id="257" r:id="rId5"/>
     <p:sldId id="258" r:id="rId6"/>
     <p:sldId id="259" r:id="rId7"/>
+    <p:sldId id="261" r:id="rId8"/>
+    <p:sldId id="262" r:id="rId9"/>
+    <p:sldId id="263" r:id="rId10"/>
+    <p:sldId id="264" r:id="rId11"/>
   </p:sldIdLst>
   <p:sldSz cx="12192000" cy="6858000"/>
   <p:notesSz cx="6858000" cy="9144000"/>
@@ -309,6 +313,18 @@
   <p:clrMapOvr>
     <a:masterClrMapping/>
   </p:clrMapOvr>
+  <mc:AlternateContent xmlns:mc="http://schemas.openxmlformats.org/markup-compatibility/2006">
+    <mc:Choice xmlns:p14="http://schemas.microsoft.com/office/powerpoint/2010/main" Requires="p14">
+      <p:transition spd="med" p14:dur="750">
+        <p:pull/>
+      </p:transition>
+    </mc:Choice>
+    <mc:Fallback>
+      <p:transition spd="med">
+        <p:pull/>
+      </p:transition>
+    </mc:Fallback>
+  </mc:AlternateContent>
 </p:sldLayout>
 </file>
 
@@ -476,6 +492,18 @@
   <p:clrMapOvr>
     <a:masterClrMapping/>
   </p:clrMapOvr>
+  <mc:AlternateContent xmlns:mc="http://schemas.openxmlformats.org/markup-compatibility/2006">
+    <mc:Choice xmlns:p14="http://schemas.microsoft.com/office/powerpoint/2010/main" Requires="p14">
+      <p:transition spd="med" p14:dur="750">
+        <p:pull/>
+      </p:transition>
+    </mc:Choice>
+    <mc:Fallback>
+      <p:transition spd="med">
+        <p:pull/>
+      </p:transition>
+    </mc:Fallback>
+  </mc:AlternateContent>
 </p:sldLayout>
 </file>
 
@@ -653,6 +681,18 @@
   <p:clrMapOvr>
     <a:masterClrMapping/>
   </p:clrMapOvr>
+  <mc:AlternateContent xmlns:mc="http://schemas.openxmlformats.org/markup-compatibility/2006">
+    <mc:Choice xmlns:p14="http://schemas.microsoft.com/office/powerpoint/2010/main" Requires="p14">
+      <p:transition spd="med" p14:dur="750">
+        <p:pull/>
+      </p:transition>
+    </mc:Choice>
+    <mc:Fallback>
+      <p:transition spd="med">
+        <p:pull/>
+      </p:transition>
+    </mc:Fallback>
+  </mc:AlternateContent>
 </p:sldLayout>
 </file>
 
@@ -820,6 +860,18 @@
   <p:clrMapOvr>
     <a:masterClrMapping/>
   </p:clrMapOvr>
+  <mc:AlternateContent xmlns:mc="http://schemas.openxmlformats.org/markup-compatibility/2006">
+    <mc:Choice xmlns:p14="http://schemas.microsoft.com/office/powerpoint/2010/main" Requires="p14">
+      <p:transition spd="med" p14:dur="750">
+        <p:pull/>
+      </p:transition>
+    </mc:Choice>
+    <mc:Fallback>
+      <p:transition spd="med">
+        <p:pull/>
+      </p:transition>
+    </mc:Fallback>
+  </mc:AlternateContent>
 </p:sldLayout>
 </file>
 
@@ -1060,6 +1112,18 @@
   <p:clrMapOvr>
     <a:masterClrMapping/>
   </p:clrMapOvr>
+  <mc:AlternateContent xmlns:mc="http://schemas.openxmlformats.org/markup-compatibility/2006">
+    <mc:Choice xmlns:p14="http://schemas.microsoft.com/office/powerpoint/2010/main" Requires="p14">
+      <p:transition spd="med" p14:dur="750">
+        <p:pull/>
+      </p:transition>
+    </mc:Choice>
+    <mc:Fallback>
+      <p:transition spd="med">
+        <p:pull/>
+      </p:transition>
+    </mc:Fallback>
+  </mc:AlternateContent>
 </p:sldLayout>
 </file>
 
@@ -1293,6 +1357,18 @@
   <p:clrMapOvr>
     <a:masterClrMapping/>
   </p:clrMapOvr>
+  <mc:AlternateContent xmlns:mc="http://schemas.openxmlformats.org/markup-compatibility/2006">
+    <mc:Choice xmlns:p14="http://schemas.microsoft.com/office/powerpoint/2010/main" Requires="p14">
+      <p:transition spd="med" p14:dur="750">
+        <p:pull/>
+      </p:transition>
+    </mc:Choice>
+    <mc:Fallback>
+      <p:transition spd="med">
+        <p:pull/>
+      </p:transition>
+    </mc:Fallback>
+  </mc:AlternateContent>
 </p:sldLayout>
 </file>
 
@@ -1663,6 +1739,18 @@
   <p:clrMapOvr>
     <a:masterClrMapping/>
   </p:clrMapOvr>
+  <mc:AlternateContent xmlns:mc="http://schemas.openxmlformats.org/markup-compatibility/2006">
+    <mc:Choice xmlns:p14="http://schemas.microsoft.com/office/powerpoint/2010/main" Requires="p14">
+      <p:transition spd="med" p14:dur="750">
+        <p:pull/>
+      </p:transition>
+    </mc:Choice>
+    <mc:Fallback>
+      <p:transition spd="med">
+        <p:pull/>
+      </p:transition>
+    </mc:Fallback>
+  </mc:AlternateContent>
 </p:sldLayout>
 </file>
 
@@ -1774,6 +1862,18 @@
   <p:clrMapOvr>
     <a:masterClrMapping/>
   </p:clrMapOvr>
+  <mc:AlternateContent xmlns:mc="http://schemas.openxmlformats.org/markup-compatibility/2006">
+    <mc:Choice xmlns:p14="http://schemas.microsoft.com/office/powerpoint/2010/main" Requires="p14">
+      <p:transition spd="med" p14:dur="750">
+        <p:pull/>
+      </p:transition>
+    </mc:Choice>
+    <mc:Fallback>
+      <p:transition spd="med">
+        <p:pull/>
+      </p:transition>
+    </mc:Fallback>
+  </mc:AlternateContent>
 </p:sldLayout>
 </file>
 
@@ -1862,6 +1962,18 @@
   <p:clrMapOvr>
     <a:masterClrMapping/>
   </p:clrMapOvr>
+  <mc:AlternateContent xmlns:mc="http://schemas.openxmlformats.org/markup-compatibility/2006">
+    <mc:Choice xmlns:p14="http://schemas.microsoft.com/office/powerpoint/2010/main" Requires="p14">
+      <p:transition spd="med" p14:dur="750">
+        <p:pull/>
+      </p:transition>
+    </mc:Choice>
+    <mc:Fallback>
+      <p:transition spd="med">
+        <p:pull/>
+      </p:transition>
+    </mc:Fallback>
+  </mc:AlternateContent>
 </p:sldLayout>
 </file>
 
@@ -2137,6 +2249,18 @@
   <p:clrMapOvr>
     <a:masterClrMapping/>
   </p:clrMapOvr>
+  <mc:AlternateContent xmlns:mc="http://schemas.openxmlformats.org/markup-compatibility/2006">
+    <mc:Choice xmlns:p14="http://schemas.microsoft.com/office/powerpoint/2010/main" Requires="p14">
+      <p:transition spd="med" p14:dur="750">
+        <p:pull/>
+      </p:transition>
+    </mc:Choice>
+    <mc:Fallback>
+      <p:transition spd="med">
+        <p:pull/>
+      </p:transition>
+    </mc:Fallback>
+  </mc:AlternateContent>
 </p:sldLayout>
 </file>
 
@@ -2384,6 +2508,18 @@
   <p:clrMapOvr>
     <a:masterClrMapping/>
   </p:clrMapOvr>
+  <mc:AlternateContent xmlns:mc="http://schemas.openxmlformats.org/markup-compatibility/2006">
+    <mc:Choice xmlns:p14="http://schemas.microsoft.com/office/powerpoint/2010/main" Requires="p14">
+      <p:transition spd="med" p14:dur="750">
+        <p:pull/>
+      </p:transition>
+    </mc:Choice>
+    <mc:Fallback>
+      <p:transition spd="med">
+        <p:pull/>
+      </p:transition>
+    </mc:Fallback>
+  </mc:AlternateContent>
 </p:sldLayout>
 </file>
 
@@ -2391,9 +2527,23 @@
 <p:sldMaster xmlns:a="http://schemas.openxmlformats.org/drawingml/2006/main" xmlns:r="http://schemas.openxmlformats.org/officeDocument/2006/relationships" xmlns:p="http://schemas.openxmlformats.org/presentationml/2006/main">
   <p:cSld>
     <p:bg>
-      <p:bgRef idx="1001">
-        <a:schemeClr val="bg1"/>
-      </p:bgRef>
+      <p:bgPr>
+        <a:gradFill rotWithShape="0">
+          <a:gsLst>
+            <a:gs pos="0">
+              <a:srgbClr val="FECF40">
+                <a:lumMod val="58000"/>
+                <a:lumOff val="42000"/>
+              </a:srgbClr>
+            </a:gs>
+            <a:gs pos="100000">
+              <a:srgbClr val="846C21"/>
+            </a:gs>
+          </a:gsLst>
+          <a:lin scaled="0"/>
+        </a:gradFill>
+        <a:effectLst/>
+      </p:bgPr>
     </p:bg>
     <p:spTree>
       <p:nvGrpSpPr>
@@ -2641,6 +2791,18 @@
     <p:sldLayoutId id="2147483658" r:id="rId10"/>
     <p:sldLayoutId id="2147483659" r:id="rId11"/>
   </p:sldLayoutIdLst>
+  <mc:AlternateContent xmlns:mc="http://schemas.openxmlformats.org/markup-compatibility/2006">
+    <mc:Choice xmlns:p14="http://schemas.microsoft.com/office/powerpoint/2010/main" Requires="p14">
+      <p:transition spd="med" p14:dur="750">
+        <p:pull/>
+      </p:transition>
+    </mc:Choice>
+    <mc:Fallback>
+      <p:transition spd="med">
+        <p:pull/>
+      </p:transition>
+    </mc:Fallback>
+  </mc:AlternateContent>
   <p:txStyles>
     <p:titleStyle>
       <a:lvl1pPr algn="l" defTabSz="914400" rtl="0" eaLnBrk="1" latinLnBrk="0" hangingPunct="1">
@@ -2976,12 +3138,34 @@
             <p:ph type="subTitle" idx="1"/>
           </p:nvPr>
         </p:nvSpPr>
-        <p:spPr/>
-        <p:txBody>
-          <a:bodyPr/>
-          <a:lstStyle/>
-          <a:p>
-            <a:endParaRPr lang="en-US"/>
+        <p:spPr>
+          <a:xfrm>
+            <a:off x="450215" y="4804410"/>
+            <a:ext cx="11504930" cy="1655445"/>
+          </a:xfrm>
+        </p:spPr>
+        <p:txBody>
+          <a:bodyPr/>
+          <a:lstStyle/>
+          <a:p>
+            <a:pPr indent="457200" algn="l"/>
+            <a:r>
+              <a:rPr lang="en-US" altLang="en-US">
+                <a:sym typeface="+mn-ea"/>
+              </a:rPr>
+              <a:t> Mentor: 							  Student:</a:t>
+            </a:r>
+            <a:endParaRPr lang="en-US" altLang="en-US"/>
+          </a:p>
+          <a:p>
+            <a:pPr indent="457200" algn="l"/>
+            <a:r>
+              <a:rPr lang="en-US" altLang="en-US">
+                <a:sym typeface="+mn-ea"/>
+              </a:rPr>
+              <a:t>Prof. dr Aleksandar Stanimirovic 				Zeljko Vasic, br.ind. 1808</a:t>
+            </a:r>
+            <a:endParaRPr lang="en-US" sz="3200"/>
           </a:p>
         </p:txBody>
       </p:sp>
@@ -2990,6 +3174,18 @@
   <p:clrMapOvr>
     <a:masterClrMapping/>
   </p:clrMapOvr>
+  <mc:AlternateContent xmlns:mc="http://schemas.openxmlformats.org/markup-compatibility/2006">
+    <mc:Choice xmlns:p14="http://schemas.microsoft.com/office/powerpoint/2010/main" Requires="p14">
+      <p:transition spd="med" p14:dur="750">
+        <p:pull/>
+      </p:transition>
+    </mc:Choice>
+    <mc:Fallback>
+      <p:transition spd="med">
+        <p:pull/>
+      </p:transition>
+    </mc:Fallback>
+  </mc:AlternateContent>
 </p:sld>
 </file>
 
@@ -3005,24 +3201,6 @@
       <p:grpSpPr/>
       <p:sp>
         <p:nvSpPr>
-          <p:cNvPr id="2" name="Title 1"/>
-          <p:cNvSpPr>
-            <a:spLocks noGrp="1"/>
-          </p:cNvSpPr>
-          <p:nvPr>
-            <p:ph type="title"/>
-          </p:nvPr>
-        </p:nvSpPr>
-        <p:spPr/>
-        <p:txBody>
-          <a:bodyPr/>
-          <a:p>
-            <a:endParaRPr lang="en-US"/>
-          </a:p>
-        </p:txBody>
-      </p:sp>
-      <p:sp>
-        <p:nvSpPr>
           <p:cNvPr id="3" name="Content Placeholder 2"/>
           <p:cNvSpPr>
             <a:spLocks noGrp="1"/>
@@ -3031,18 +3209,31 @@
             <p:ph idx="1"/>
           </p:nvPr>
         </p:nvSpPr>
-        <p:spPr/>
+        <p:spPr>
+          <a:xfrm>
+            <a:off x="375285" y="267335"/>
+            <a:ext cx="11414760" cy="3283585"/>
+          </a:xfrm>
+        </p:spPr>
         <p:txBody>
           <a:bodyPr>
-            <a:normAutofit fontScale="80000"/>
+            <a:normAutofit fontScale="60000"/>
           </a:bodyPr>
           <a:p>
             <a:pPr marL="0" indent="0">
               <a:buNone/>
             </a:pPr>
             <a:r>
+              <a:rPr lang="en-US" altLang="en-US" b="1">
+                <a:solidFill>
+                  <a:srgbClr val="FF0000"/>
+                </a:solidFill>
+              </a:rPr>
+              <a:t> Izolacija</a:t>
+            </a:r>
+            <a:r>
               <a:rPr lang="en-US" altLang="en-US"/>
-              <a:t> Izolacija omogucava kontrolisanje anomalija koje ugrozavaju konzistentnost baze podataka. </a:t>
+              <a:t> omogucava kontrolisanje anomalija koje ugrozavaju konzistentnost baze podataka. </a:t>
             </a:r>
             <a:endParaRPr lang="en-US" altLang="en-US"/>
           </a:p>
@@ -3057,10 +3248,9 @@
             <a:endParaRPr lang="en-US" altLang="en-US"/>
           </a:p>
           <a:p>
-            <a:r>
-              <a:rPr lang="en-US" altLang="en-US"/>
-              <a:t></a:t>
-            </a:r>
+            <a:pPr marL="0" indent="0">
+              <a:buNone/>
+            </a:pPr>
             <a:r>
               <a:rPr lang="en-US" altLang="en-US">
                 <a:solidFill>
@@ -3071,15 +3261,14 @@
             </a:r>
             <a:r>
               <a:rPr lang="en-US" altLang="en-US"/>
-              <a:t> - nastaje kada jedna transakcija cita necommitovane podatke druge transakcije, odnosno podatke koji jos uvek nisu potvrdjeni i potencijalno mogu biti ponisteni.</a:t>
+              <a:t> - transakcija cita necommitovane podatke druge transakcije</a:t>
             </a:r>
             <a:endParaRPr lang="en-US" altLang="en-US"/>
           </a:p>
           <a:p>
-            <a:r>
-              <a:rPr lang="en-US" altLang="en-US"/>
-              <a:t></a:t>
-            </a:r>
+            <a:pPr marL="0" indent="0">
+              <a:buNone/>
+            </a:pPr>
             <a:r>
               <a:rPr lang="en-US" altLang="en-US">
                 <a:solidFill>
@@ -3090,36 +3279,107 @@
             </a:r>
             <a:r>
               <a:rPr lang="en-US" altLang="en-US"/>
-              <a:t> - nastaje kada jedna transakcija izvrsava isti upit za citanje vise puta, ali dobija razlicite rezultate. To se desava zato sto je druga transakcija, dok se prva jos uvek izvrsavala, izmenila te podatke u bazi i prva transakcija dobija drugaciji rezultat nego prilikom prvog citanja.</a:t>
+              <a:t> - transakcija izvrsava isti upit za citanje vise puta, ali dobija razlicite rezultate. </a:t>
             </a:r>
             <a:endParaRPr lang="en-US" altLang="en-US"/>
           </a:p>
           <a:p>
-            <a:r>
-              <a:rPr lang="en-US" altLang="en-US"/>
-              <a:t>P</a:t>
-            </a:r>
+            <a:pPr marL="0" indent="0">
+              <a:buNone/>
+            </a:pPr>
             <a:r>
               <a:rPr lang="en-US" altLang="en-US">
                 <a:solidFill>
                   <a:srgbClr val="FF0000"/>
                 </a:solidFill>
               </a:rPr>
-              <a:t>hantom read</a:t>
+              <a:t>Phantom read</a:t>
             </a:r>
             <a:r>
               <a:rPr lang="en-US" altLang="en-US"/>
-              <a:t> - nastaje slicno kao i Non-repetable read osim sto druga transakcija u medjuvremenu dodaje redove koji odgovaraju filterima upita za citanje, i prva transakcija dobija vise redova u drugom citanju nego u prvom citanju. </a:t>
+              <a:t> - Druga transakcija dodaje redove i prva transakcija dobija vise redova u drugom citanju nego u prvom citanju. </a:t>
             </a:r>
             <a:endParaRPr lang="en-US" altLang="en-US"/>
           </a:p>
-        </p:txBody>
-      </p:sp>
+          <a:p>
+            <a:pPr marL="0" indent="0">
+              <a:buNone/>
+            </a:pPr>
+            <a:r>
+              <a:rPr lang="en-US" altLang="en-US">
+                <a:solidFill>
+                  <a:srgbClr val="FF0000"/>
+                </a:solidFill>
+              </a:rPr>
+              <a:t>Lost update</a:t>
+            </a:r>
+            <a:r>
+              <a:rPr lang="en-US" altLang="en-US"/>
+              <a:t> - Druga transakcija pise preko izmena prve transakcije.</a:t>
+            </a:r>
+            <a:endParaRPr lang="en-US" altLang="en-US"/>
+          </a:p>
+          <a:p>
+            <a:pPr marL="0" indent="0">
+              <a:buNone/>
+            </a:pPr>
+            <a:r>
+              <a:rPr lang="en-US" altLang="en-US">
+                <a:solidFill>
+                  <a:srgbClr val="FF0000"/>
+                </a:solidFill>
+              </a:rPr>
+              <a:t>Write skew</a:t>
+            </a:r>
+            <a:r>
+              <a:rPr lang="en-US" altLang="en-US"/>
+              <a:t> - Dve transakcije istovremeno menjaju razlicite redove i nastaje logicki problem. Nema direktnog fizickog konflikta ali kada se spoje promene te dve transakcije narusava se integritet podataka. </a:t>
+            </a:r>
+            <a:endParaRPr lang="en-US" altLang="en-US"/>
+          </a:p>
+        </p:txBody>
+      </p:sp>
+      <p:pic>
+        <p:nvPicPr>
+          <p:cNvPr id="4" name="Picture 3"/>
+          <p:cNvPicPr>
+            <a:picLocks noChangeAspect="1"/>
+          </p:cNvPicPr>
+          <p:nvPr/>
+        </p:nvPicPr>
+        <p:blipFill>
+          <a:blip r:embed="rId1"/>
+          <a:stretch>
+            <a:fillRect/>
+          </a:stretch>
+        </p:blipFill>
+        <p:spPr>
+          <a:xfrm>
+            <a:off x="3818890" y="3323590"/>
+            <a:ext cx="5720080" cy="3098165"/>
+          </a:xfrm>
+          <a:prstGeom prst="rect">
+            <a:avLst/>
+          </a:prstGeom>
+        </p:spPr>
+      </p:pic>
     </p:spTree>
   </p:cSld>
   <p:clrMapOvr>
     <a:masterClrMapping/>
   </p:clrMapOvr>
+  <mc:AlternateContent xmlns:mc="http://schemas.openxmlformats.org/markup-compatibility/2006">
+    <mc:Choice xmlns:p14="http://schemas.microsoft.com/office/powerpoint/2010/main" Requires="p14">
+      <p:transition spd="med" p14:dur="750">
+        <p:pull/>
+      </p:transition>
+    </mc:Choice>
+    <mc:Fallback>
+      <p:transition spd="med">
+        <p:pull/>
+      </p:transition>
+    </mc:Fallback>
+  </mc:AlternateContent>
 </p:sld>
 </file>
 
@@ -3152,6 +3412,7 @@
         <p:txBody>
           <a:bodyPr/>
           <a:p>
+            <a:pPr algn="ctr"/>
             <a:r>
               <a:rPr lang="en-US" altLang="en-US"/>
               <a:t>Nivoi izolacije u bazama podataka</a:t>
@@ -3170,7 +3431,12 @@
             <p:ph idx="1"/>
           </p:nvPr>
         </p:nvSpPr>
-        <p:spPr/>
+        <p:spPr>
+          <a:xfrm>
+            <a:off x="466090" y="1219200"/>
+            <a:ext cx="11591925" cy="4958080"/>
+          </a:xfrm>
+        </p:spPr>
         <p:txBody>
           <a:bodyPr/>
           <a:p>
@@ -3178,74 +3444,100 @@
               <a:buNone/>
             </a:pPr>
             <a:r>
-              <a:rPr lang="en-US" altLang="en-US"/>
+              <a:rPr lang="en-US" altLang="en-US" sz="2400"/>
               <a:t>SQL standard definise 4 standardna nivoa izolacije:</a:t>
             </a:r>
-            <a:endParaRPr lang="en-US" altLang="en-US"/>
+            <a:endParaRPr lang="en-US" altLang="en-US" sz="2400"/>
           </a:p>
           <a:p>
             <a:pPr marL="0" indent="0" algn="l">
               <a:buNone/>
             </a:pPr>
             <a:r>
-              <a:rPr lang="en-US" altLang="en-US"/>
-              <a:t>1.Read uncommitted (dirty read, nonrepetable read, phantom reads)</a:t>
-            </a:r>
-            <a:endParaRPr lang="en-US" altLang="en-US"/>
+              <a:rPr lang="en-US" altLang="en-US" sz="2400"/>
+              <a:t>1.Read uncommitted (dirty read, lost update, nonrepetable read, phantom reads)</a:t>
+            </a:r>
+            <a:endParaRPr lang="en-US" altLang="en-US" sz="2400"/>
           </a:p>
           <a:p>
             <a:pPr marL="0" indent="0" algn="l">
               <a:buNone/>
             </a:pPr>
             <a:r>
-              <a:rPr lang="en-US" altLang="en-US"/>
-              <a:t>2.Read committed (nonrepetable read, phantom reads)</a:t>
-            </a:r>
-            <a:endParaRPr lang="en-US" altLang="en-US"/>
+              <a:rPr lang="en-US" altLang="en-US" sz="2400"/>
+              <a:t>2.Read committed (lost update, nonrepetable read, phantom reads)</a:t>
+            </a:r>
+            <a:endParaRPr lang="en-US" altLang="en-US" sz="2400"/>
           </a:p>
           <a:p>
             <a:pPr marL="0" indent="0" algn="l">
               <a:buNone/>
             </a:pPr>
             <a:r>
-              <a:rPr lang="en-US" altLang="en-US"/>
+              <a:rPr lang="en-US" altLang="en-US" sz="2400"/>
               <a:t>3.Repetable Read (phantom reads (ali ne u PostgreSQL-u))</a:t>
             </a:r>
-            <a:endParaRPr lang="en-US" altLang="en-US"/>
+            <a:endParaRPr lang="en-US" altLang="en-US" sz="2400"/>
           </a:p>
           <a:p>
             <a:pPr marL="0" indent="0" algn="l">
               <a:buNone/>
             </a:pPr>
             <a:r>
-              <a:rPr lang="en-US" altLang="en-US"/>
+              <a:rPr lang="en-US" altLang="en-US" sz="2400"/>
               <a:t>4.Serializable</a:t>
             </a:r>
-            <a:endParaRPr lang="en-US" altLang="en-US"/>
+            <a:endParaRPr lang="en-US" altLang="en-US" sz="2400"/>
           </a:p>
           <a:p>
             <a:pPr marL="0" indent="0" algn="l">
               <a:buNone/>
             </a:pPr>
-            <a:endParaRPr lang="en-US" altLang="en-US"/>
-          </a:p>
-          <a:p>
-            <a:pPr marL="0" indent="0" algn="l">
-              <a:buNone/>
-            </a:pPr>
-            <a:r>
-              <a:rPr lang="en-US" altLang="en-US"/>
-              <a:t>Snapshot je mehanizam rada koji koriste moderne baze zasnovane na MVCC(Multi Version Concurrency Control) principu, ukljucujuci i PostgreSQL.</a:t>
-            </a:r>
-            <a:endParaRPr lang="en-US" altLang="en-US"/>
-          </a:p>
-        </p:txBody>
-      </p:sp>
+            <a:endParaRPr lang="en-US" altLang="en-US" sz="2400"/>
+          </a:p>
+        </p:txBody>
+      </p:sp>
+      <p:pic>
+        <p:nvPicPr>
+          <p:cNvPr id="4" name="Picture 3"/>
+          <p:cNvPicPr>
+            <a:picLocks noChangeAspect="1"/>
+          </p:cNvPicPr>
+          <p:nvPr/>
+        </p:nvPicPr>
+        <p:blipFill>
+          <a:blip r:embed="rId1"/>
+          <a:stretch>
+            <a:fillRect/>
+          </a:stretch>
+        </p:blipFill>
+        <p:spPr>
+          <a:xfrm>
+            <a:off x="2836545" y="3663950"/>
+            <a:ext cx="8307070" cy="2586355"/>
+          </a:xfrm>
+          <a:prstGeom prst="rect">
+            <a:avLst/>
+          </a:prstGeom>
+        </p:spPr>
+      </p:pic>
     </p:spTree>
   </p:cSld>
   <p:clrMapOvr>
     <a:masterClrMapping/>
   </p:clrMapOvr>
+  <mc:AlternateContent xmlns:mc="http://schemas.openxmlformats.org/markup-compatibility/2006">
+    <mc:Choice xmlns:p14="http://schemas.microsoft.com/office/powerpoint/2010/main" Requires="p14">
+      <p:transition spd="med" p14:dur="750">
+        <p:pull/>
+      </p:transition>
+    </mc:Choice>
+    <mc:Fallback>
+      <p:transition spd="med">
+        <p:pull/>
+      </p:transition>
+    </mc:Fallback>
+  </mc:AlternateContent>
 </p:sld>
 </file>
 
@@ -3269,12 +3561,18 @@
             <p:ph type="title"/>
           </p:nvPr>
         </p:nvSpPr>
-        <p:spPr/>
+        <p:spPr>
+          <a:xfrm>
+            <a:off x="838200" y="46355"/>
+            <a:ext cx="10515600" cy="1644650"/>
+          </a:xfrm>
+        </p:spPr>
         <p:txBody>
           <a:bodyPr>
-            <a:normAutofit fontScale="90000"/>
+            <a:normAutofit/>
           </a:bodyPr>
           <a:p>
+            <a:pPr algn="ctr"/>
             <a:r>
               <a:rPr lang="en-US" altLang="en-US"/>
               <a:t>Razlozi za primenu izolacije u bazama podataka</a:t>
@@ -3323,53 +3621,66 @@
               <a:buNone/>
             </a:pPr>
             <a:r>
-              <a:rPr lang="en-US" altLang="en-US" u="sng"/>
-              <a:t>Tipicni pimeri race condition-a su:</a:t>
-            </a:r>
-            <a:endParaRPr lang="en-US" altLang="en-US" u="sng"/>
-          </a:p>
-          <a:p>
-            <a:r>
               <a:rPr lang="en-US" altLang="en-US"/>
-              <a:t>Dirty read</a:t>
+              <a:t>Primeri race condition-a su anomalije u nivoima izolacije.</a:t>
             </a:r>
             <a:endParaRPr lang="en-US" altLang="en-US"/>
           </a:p>
           <a:p>
-            <a:r>
-              <a:rPr lang="en-US" altLang="en-US"/>
-              <a:t>    Dirty write</a:t>
-            </a:r>
+            <a:pPr marL="0" indent="0">
+              <a:buNone/>
+            </a:pPr>
             <a:endParaRPr lang="en-US" altLang="en-US"/>
           </a:p>
           <a:p>
-            <a:r>
-              <a:rPr lang="en-US" altLang="en-US"/>
-              <a:t>Non-repetable read</a:t>
-            </a:r>
+            <a:pPr marL="0" indent="0">
+              <a:buNone/>
+            </a:pPr>
             <a:endParaRPr lang="en-US" altLang="en-US"/>
           </a:p>
-          <a:p>
-            <a:r>
-              <a:rPr lang="en-US" altLang="en-US"/>
-              <a:t>Phantom read</a:t>
-            </a:r>
-            <a:endParaRPr lang="en-US" altLang="en-US"/>
-          </a:p>
-          <a:p>
-            <a:r>
-              <a:rPr lang="en-US" altLang="en-US"/>
-              <a:t>Lost update</a:t>
-            </a:r>
-            <a:endParaRPr lang="en-US" altLang="en-US"/>
-          </a:p>
-        </p:txBody>
-      </p:sp>
+        </p:txBody>
+      </p:sp>
+      <p:pic>
+        <p:nvPicPr>
+          <p:cNvPr id="4" name="Picture 3"/>
+          <p:cNvPicPr>
+            <a:picLocks noChangeAspect="1"/>
+          </p:cNvPicPr>
+          <p:nvPr/>
+        </p:nvPicPr>
+        <p:blipFill>
+          <a:blip r:embed="rId1"/>
+          <a:stretch>
+            <a:fillRect/>
+          </a:stretch>
+        </p:blipFill>
+        <p:spPr>
+          <a:xfrm>
+            <a:off x="3230880" y="4451985"/>
+            <a:ext cx="5687060" cy="1941830"/>
+          </a:xfrm>
+          <a:prstGeom prst="rect">
+            <a:avLst/>
+          </a:prstGeom>
+        </p:spPr>
+      </p:pic>
     </p:spTree>
   </p:cSld>
   <p:clrMapOvr>
     <a:masterClrMapping/>
   </p:clrMapOvr>
+  <mc:AlternateContent xmlns:mc="http://schemas.openxmlformats.org/markup-compatibility/2006">
+    <mc:Choice xmlns:p14="http://schemas.microsoft.com/office/powerpoint/2010/main" Requires="p14">
+      <p:transition spd="med" p14:dur="750">
+        <p:pull/>
+      </p:transition>
+    </mc:Choice>
+    <mc:Fallback>
+      <p:transition spd="med">
+        <p:pull/>
+      </p:transition>
+    </mc:Fallback>
+  </mc:AlternateContent>
 </p:sld>
 </file>
 
@@ -3415,15 +3726,555 @@
         <p:txBody>
           <a:bodyPr/>
           <a:p>
-            <a:endParaRPr lang="en-US"/>
-          </a:p>
-        </p:txBody>
-      </p:sp>
+            <a:r>
+              <a:rPr lang="en-US" altLang="en-US"/>
+              <a:t>MVCC je osnovni mehanizam koji PostgreSQL automatski koristi da bi omogucio konkurentni pristup bazi podataka bez zakljucavanja za citanja.</a:t>
+            </a:r>
+            <a:endParaRPr lang="en-US" altLang="en-US"/>
+          </a:p>
+          <a:p>
+            <a:r>
+              <a:rPr lang="en-US" altLang="en-US"/>
+              <a:t>Row locking omogucava paralelne upise u razlicite redove iste tabele.</a:t>
+            </a:r>
+            <a:endParaRPr lang="en-US" altLang="en-US"/>
+          </a:p>
+          <a:p>
+            <a:r>
+              <a:rPr lang="en-US" altLang="en-US"/>
+              <a:t>Table locking obuhvata citavu tabelu, ukljucujuci njene redove, indekse i metapodatke.</a:t>
+            </a:r>
+            <a:endParaRPr lang="en-US" altLang="en-US"/>
+          </a:p>
+          <a:p>
+            <a:endParaRPr lang="en-US" altLang="en-US"/>
+          </a:p>
+        </p:txBody>
+      </p:sp>
+      <p:pic>
+        <p:nvPicPr>
+          <p:cNvPr id="4" name="Picture 3"/>
+          <p:cNvPicPr>
+            <a:picLocks noChangeAspect="1"/>
+          </p:cNvPicPr>
+          <p:nvPr/>
+        </p:nvPicPr>
+        <p:blipFill>
+          <a:blip r:embed="rId1"/>
+          <a:stretch>
+            <a:fillRect/>
+          </a:stretch>
+        </p:blipFill>
+        <p:spPr>
+          <a:xfrm>
+            <a:off x="5314950" y="4185920"/>
+            <a:ext cx="3921760" cy="2427605"/>
+          </a:xfrm>
+          <a:prstGeom prst="rect">
+            <a:avLst/>
+          </a:prstGeom>
+        </p:spPr>
+      </p:pic>
     </p:spTree>
   </p:cSld>
   <p:clrMapOvr>
     <a:masterClrMapping/>
   </p:clrMapOvr>
+  <mc:AlternateContent xmlns:mc="http://schemas.openxmlformats.org/markup-compatibility/2006">
+    <mc:Choice xmlns:p14="http://schemas.microsoft.com/office/powerpoint/2010/main" Requires="p14">
+      <p:transition spd="med" p14:dur="750">
+        <p:pull/>
+      </p:transition>
+    </mc:Choice>
+    <mc:Fallback>
+      <p:transition spd="med">
+        <p:pull/>
+      </p:transition>
+    </mc:Fallback>
+  </mc:AlternateContent>
+</p:sld>
+</file>
+
+<file path=ppt/slides/slide6.xml><?xml version="1.0" encoding="utf-8"?>
+<p:sld xmlns:a="http://schemas.openxmlformats.org/drawingml/2006/main" xmlns:r="http://schemas.openxmlformats.org/officeDocument/2006/relationships" xmlns:p="http://schemas.openxmlformats.org/presentationml/2006/main">
+  <p:cSld>
+    <p:spTree>
+      <p:nvGrpSpPr>
+        <p:cNvPr id="1" name=""/>
+        <p:cNvGrpSpPr/>
+        <p:nvPr/>
+      </p:nvGrpSpPr>
+      <p:grpSpPr/>
+      <p:sp>
+        <p:nvSpPr>
+          <p:cNvPr id="2" name="Title 1"/>
+          <p:cNvSpPr>
+            <a:spLocks noGrp="1"/>
+          </p:cNvSpPr>
+          <p:nvPr>
+            <p:ph type="title"/>
+          </p:nvPr>
+        </p:nvSpPr>
+        <p:spPr>
+          <a:xfrm>
+            <a:off x="838200" y="365125"/>
+            <a:ext cx="10515600" cy="837565"/>
+          </a:xfrm>
+        </p:spPr>
+        <p:txBody>
+          <a:bodyPr/>
+          <a:p>
+            <a:pPr algn="ctr"/>
+            <a:r>
+              <a:rPr lang="en-US"/>
+              <a:t>Pessimistic vs optimistic locking</a:t>
+            </a:r>
+            <a:endParaRPr lang="en-US"/>
+          </a:p>
+        </p:txBody>
+      </p:sp>
+      <p:sp>
+        <p:nvSpPr>
+          <p:cNvPr id="3" name="Content Placeholder 2"/>
+          <p:cNvSpPr>
+            <a:spLocks noGrp="1"/>
+          </p:cNvSpPr>
+          <p:nvPr>
+            <p:ph idx="1"/>
+          </p:nvPr>
+        </p:nvSpPr>
+        <p:spPr>
+          <a:xfrm>
+            <a:off x="838200" y="1264920"/>
+            <a:ext cx="11089640" cy="4912360"/>
+          </a:xfrm>
+        </p:spPr>
+        <p:txBody>
+          <a:bodyPr/>
+          <a:p>
+            <a:pPr marL="0" indent="0">
+              <a:buNone/>
+            </a:pPr>
+            <a:r>
+              <a:rPr lang="en-US" altLang="en-US">
+                <a:solidFill>
+                  <a:srgbClr val="FF0000"/>
+                </a:solidFill>
+              </a:rPr>
+              <a:t>Pessimistic locking</a:t>
+            </a:r>
+            <a:r>
+              <a:rPr lang="en-US" altLang="en-US"/>
+              <a:t> pretpostavlja da ce do konflikata izmedju transakcija dolaziti cesto. Kada transakcija pristupi podacima za citanje ili pisanje, baza odmah zakljucava te podatke.</a:t>
+            </a:r>
+            <a:endParaRPr lang="en-US" altLang="en-US"/>
+          </a:p>
+          <a:p>
+            <a:pPr marL="0" indent="0">
+              <a:buNone/>
+            </a:pPr>
+            <a:r>
+              <a:rPr lang="en-US" altLang="en-US"/>
+              <a:t>Lockovi koje pessimistic locking koristi mogu da budu Exclusive lock i Shared lock.</a:t>
+            </a:r>
+            <a:endParaRPr lang="en-US" altLang="en-US"/>
+          </a:p>
+          <a:p>
+            <a:pPr marL="0" indent="0">
+              <a:buNone/>
+            </a:pPr>
+            <a:r>
+              <a:rPr lang="en-US" altLang="en-US"/>
+              <a:t>Nad istim podatkom mogu da se nalaze vise S-lockova, ili samo jedan X-lock.</a:t>
+            </a:r>
+            <a:endParaRPr lang="en-US" altLang="en-US"/>
+          </a:p>
+          <a:p>
+            <a:pPr marL="0" indent="0">
+              <a:buNone/>
+            </a:pPr>
+            <a:endParaRPr lang="en-US" altLang="en-US"/>
+          </a:p>
+        </p:txBody>
+      </p:sp>
+      <p:pic>
+        <p:nvPicPr>
+          <p:cNvPr id="4" name="Picture 3"/>
+          <p:cNvPicPr>
+            <a:picLocks noChangeAspect="1"/>
+          </p:cNvPicPr>
+          <p:nvPr/>
+        </p:nvPicPr>
+        <p:blipFill>
+          <a:blip r:embed="rId1"/>
+          <a:stretch>
+            <a:fillRect/>
+          </a:stretch>
+        </p:blipFill>
+        <p:spPr>
+          <a:xfrm>
+            <a:off x="4144645" y="3950970"/>
+            <a:ext cx="4477385" cy="2667635"/>
+          </a:xfrm>
+          <a:prstGeom prst="rect">
+            <a:avLst/>
+          </a:prstGeom>
+        </p:spPr>
+      </p:pic>
+    </p:spTree>
+  </p:cSld>
+  <p:clrMapOvr>
+    <a:masterClrMapping/>
+  </p:clrMapOvr>
+  <mc:AlternateContent xmlns:mc="http://schemas.openxmlformats.org/markup-compatibility/2006">
+    <mc:Choice xmlns:p14="http://schemas.microsoft.com/office/powerpoint/2010/main" Requires="p14">
+      <p:transition spd="med" p14:dur="750">
+        <p:pull/>
+      </p:transition>
+    </mc:Choice>
+    <mc:Fallback>
+      <p:transition spd="med">
+        <p:pull/>
+      </p:transition>
+    </mc:Fallback>
+  </mc:AlternateContent>
+</p:sld>
+</file>
+
+<file path=ppt/slides/slide7.xml><?xml version="1.0" encoding="utf-8"?>
+<p:sld xmlns:a="http://schemas.openxmlformats.org/drawingml/2006/main" xmlns:r="http://schemas.openxmlformats.org/officeDocument/2006/relationships" xmlns:p="http://schemas.openxmlformats.org/presentationml/2006/main">
+  <p:cSld>
+    <p:spTree>
+      <p:nvGrpSpPr>
+        <p:cNvPr id="1" name=""/>
+        <p:cNvGrpSpPr/>
+        <p:nvPr/>
+      </p:nvGrpSpPr>
+      <p:grpSpPr/>
+      <p:sp>
+        <p:nvSpPr>
+          <p:cNvPr id="3" name="Content Placeholder 2"/>
+          <p:cNvSpPr>
+            <a:spLocks noGrp="1"/>
+          </p:cNvSpPr>
+          <p:nvPr>
+            <p:ph idx="1"/>
+          </p:nvPr>
+        </p:nvSpPr>
+        <p:spPr>
+          <a:xfrm>
+            <a:off x="694690" y="391795"/>
+            <a:ext cx="10782935" cy="5831205"/>
+          </a:xfrm>
+        </p:spPr>
+        <p:txBody>
+          <a:bodyPr/>
+          <a:p>
+            <a:pPr marL="0" indent="0">
+              <a:buNone/>
+            </a:pPr>
+            <a:r>
+              <a:rPr lang="en-US" altLang="en-US">
+                <a:solidFill>
+                  <a:srgbClr val="FF0000"/>
+                </a:solidFill>
+              </a:rPr>
+              <a:t>Optimisitic locking</a:t>
+            </a:r>
+            <a:r>
+              <a:rPr lang="en-US" altLang="en-US"/>
+              <a:t> pretpostavlja da konflikti izmedju transakcija nastaju retko. Transakcija ne zakljucava red dok ga cita ili menja, vec proverava verziju redova prilikom komitovanja.</a:t>
+            </a:r>
+            <a:endParaRPr lang="en-US" altLang="en-US"/>
+          </a:p>
+          <a:p>
+            <a:pPr marL="0" indent="0">
+              <a:buNone/>
+            </a:pPr>
+            <a:r>
+              <a:rPr lang="en-US" altLang="en-US"/>
+              <a:t>Svakoj tabeli ili zapisu u bazi se dodaje verziona kolona. Najcesce je to celobrojni brojac (version) ili vremenska oznaka (timestamp). </a:t>
+            </a:r>
+            <a:endParaRPr lang="en-US" altLang="en-US"/>
+          </a:p>
+          <a:p>
+            <a:pPr marL="0" indent="0">
+              <a:buNone/>
+            </a:pPr>
+            <a:endParaRPr lang="en-US" altLang="en-US"/>
+          </a:p>
+          <a:p>
+            <a:pPr marL="0" indent="0">
+              <a:buNone/>
+            </a:pPr>
+            <a:endParaRPr lang="en-US" altLang="en-US"/>
+          </a:p>
+        </p:txBody>
+      </p:sp>
+      <p:pic>
+        <p:nvPicPr>
+          <p:cNvPr id="5" name="Picture 1"/>
+          <p:cNvPicPr>
+            <a:picLocks noChangeAspect="1"/>
+          </p:cNvPicPr>
+          <p:nvPr/>
+        </p:nvPicPr>
+        <p:blipFill>
+          <a:blip r:embed="rId1"/>
+          <a:stretch>
+            <a:fillRect/>
+          </a:stretch>
+        </p:blipFill>
+        <p:spPr>
+          <a:xfrm>
+            <a:off x="3373120" y="3017520"/>
+            <a:ext cx="5445760" cy="2537460"/>
+          </a:xfrm>
+          <a:prstGeom prst="rect">
+            <a:avLst/>
+          </a:prstGeom>
+          <a:noFill/>
+          <a:ln>
+            <a:noFill/>
+          </a:ln>
+        </p:spPr>
+      </p:pic>
+    </p:spTree>
+  </p:cSld>
+  <p:clrMapOvr>
+    <a:masterClrMapping/>
+  </p:clrMapOvr>
+  <mc:AlternateContent xmlns:mc="http://schemas.openxmlformats.org/markup-compatibility/2006">
+    <mc:Choice xmlns:p14="http://schemas.microsoft.com/office/powerpoint/2010/main" Requires="p14">
+      <p:transition spd="med" p14:dur="750">
+        <p:pull/>
+      </p:transition>
+    </mc:Choice>
+    <mc:Fallback>
+      <p:transition spd="med">
+        <p:pull/>
+      </p:transition>
+    </mc:Fallback>
+  </mc:AlternateContent>
+</p:sld>
+</file>
+
+<file path=ppt/slides/slide8.xml><?xml version="1.0" encoding="utf-8"?>
+<p:sld xmlns:a="http://schemas.openxmlformats.org/drawingml/2006/main" xmlns:r="http://schemas.openxmlformats.org/officeDocument/2006/relationships" xmlns:p="http://schemas.openxmlformats.org/presentationml/2006/main">
+  <p:cSld>
+    <p:spTree>
+      <p:nvGrpSpPr>
+        <p:cNvPr id="1" name=""/>
+        <p:cNvGrpSpPr/>
+        <p:nvPr/>
+      </p:nvGrpSpPr>
+      <p:grpSpPr/>
+      <p:sp>
+        <p:nvSpPr>
+          <p:cNvPr id="3" name="Content Placeholder 2"/>
+          <p:cNvSpPr>
+            <a:spLocks noGrp="1"/>
+          </p:cNvSpPr>
+          <p:nvPr>
+            <p:ph idx="1"/>
+          </p:nvPr>
+        </p:nvSpPr>
+        <p:spPr>
+          <a:xfrm>
+            <a:off x="838200" y="248285"/>
+            <a:ext cx="10515600" cy="5928995"/>
+          </a:xfrm>
+        </p:spPr>
+        <p:txBody>
+          <a:bodyPr/>
+          <a:p>
+            <a:pPr marL="0" indent="0">
+              <a:buNone/>
+            </a:pPr>
+            <a:r>
+              <a:rPr lang="en-US" altLang="en-US">
+                <a:solidFill>
+                  <a:srgbClr val="FF0000"/>
+                </a:solidFill>
+              </a:rPr>
+              <a:t>Deadlock</a:t>
+            </a:r>
+            <a:r>
+              <a:rPr lang="en-US" altLang="en-US"/>
+              <a:t> se desava kada su dve ili vise transakcija medjusobno blokirane zato sto cekaju jedna drugu i nijedna transakcija ne moze da nastavi sa izvrsavanjem. </a:t>
+            </a:r>
+            <a:endParaRPr lang="en-US" altLang="en-US"/>
+          </a:p>
+          <a:p>
+            <a:endParaRPr lang="en-US" altLang="en-US"/>
+          </a:p>
+          <a:p>
+            <a:endParaRPr lang="en-US" altLang="en-US"/>
+          </a:p>
+          <a:p>
+            <a:endParaRPr lang="en-US" altLang="en-US"/>
+          </a:p>
+          <a:p>
+            <a:pPr marL="0" indent="0">
+              <a:buNone/>
+            </a:pPr>
+            <a:r>
+              <a:rPr lang="en-US" altLang="en-US">
+                <a:solidFill>
+                  <a:srgbClr val="FF0000"/>
+                </a:solidFill>
+              </a:rPr>
+              <a:t>Livelock  </a:t>
+            </a:r>
+            <a:r>
+              <a:rPr lang="en-US" altLang="en-US"/>
+              <a:t>je situacija kada transakcije ne napreduju, ali za razliku od deadlocka one ne cekaju, vec non stop nesto rade ali bez pravog pomaka sa izvrsenjem.  </a:t>
+            </a:r>
+            <a:endParaRPr lang="en-US" altLang="en-US"/>
+          </a:p>
+          <a:p>
+            <a:endParaRPr lang="en-US" altLang="en-US"/>
+          </a:p>
+        </p:txBody>
+      </p:sp>
+      <p:pic>
+        <p:nvPicPr>
+          <p:cNvPr id="4" name="Picture 3"/>
+          <p:cNvPicPr>
+            <a:picLocks noChangeAspect="1"/>
+          </p:cNvPicPr>
+          <p:nvPr/>
+        </p:nvPicPr>
+        <p:blipFill>
+          <a:blip r:embed="rId1"/>
+          <a:stretch>
+            <a:fillRect/>
+          </a:stretch>
+        </p:blipFill>
+        <p:spPr>
+          <a:xfrm>
+            <a:off x="5350510" y="1068070"/>
+            <a:ext cx="3305175" cy="1861820"/>
+          </a:xfrm>
+          <a:prstGeom prst="rect">
+            <a:avLst/>
+          </a:prstGeom>
+        </p:spPr>
+      </p:pic>
+      <p:pic>
+        <p:nvPicPr>
+          <p:cNvPr id="5" name="Picture 4"/>
+          <p:cNvPicPr>
+            <a:picLocks noChangeAspect="1"/>
+          </p:cNvPicPr>
+          <p:nvPr/>
+        </p:nvPicPr>
+        <p:blipFill>
+          <a:blip r:embed="rId2"/>
+          <a:stretch>
+            <a:fillRect/>
+          </a:stretch>
+        </p:blipFill>
+        <p:spPr>
+          <a:xfrm>
+            <a:off x="5746750" y="4048760"/>
+            <a:ext cx="2908935" cy="2511425"/>
+          </a:xfrm>
+          <a:prstGeom prst="rect">
+            <a:avLst/>
+          </a:prstGeom>
+        </p:spPr>
+      </p:pic>
+    </p:spTree>
+  </p:cSld>
+  <p:clrMapOvr>
+    <a:masterClrMapping/>
+  </p:clrMapOvr>
+  <mc:AlternateContent xmlns:mc="http://schemas.openxmlformats.org/markup-compatibility/2006">
+    <mc:Choice xmlns:p14="http://schemas.microsoft.com/office/powerpoint/2010/main" Requires="p14">
+      <p:transition spd="med" p14:dur="750">
+        <p:pull/>
+      </p:transition>
+    </mc:Choice>
+    <mc:Fallback>
+      <p:transition spd="med">
+        <p:pull/>
+      </p:transition>
+    </mc:Fallback>
+  </mc:AlternateContent>
+</p:sld>
+</file>
+
+<file path=ppt/slides/slide9.xml><?xml version="1.0" encoding="utf-8"?>
+<p:sld xmlns:a="http://schemas.openxmlformats.org/drawingml/2006/main" xmlns:r="http://schemas.openxmlformats.org/officeDocument/2006/relationships" xmlns:p="http://schemas.openxmlformats.org/presentationml/2006/main">
+  <p:cSld>
+    <p:spTree>
+      <p:nvGrpSpPr>
+        <p:cNvPr id="1" name=""/>
+        <p:cNvGrpSpPr/>
+        <p:nvPr/>
+      </p:nvGrpSpPr>
+      <p:grpSpPr/>
+      <p:sp>
+        <p:nvSpPr>
+          <p:cNvPr id="2" name="Title 1"/>
+          <p:cNvSpPr>
+            <a:spLocks noGrp="1"/>
+          </p:cNvSpPr>
+          <p:nvPr>
+            <p:ph type="title"/>
+          </p:nvPr>
+        </p:nvSpPr>
+        <p:spPr/>
+        <p:txBody>
+          <a:bodyPr/>
+          <a:p>
+            <a:endParaRPr lang="en-US"/>
+          </a:p>
+        </p:txBody>
+      </p:sp>
+      <p:sp>
+        <p:nvSpPr>
+          <p:cNvPr id="3" name="Content Placeholder 2"/>
+          <p:cNvSpPr>
+            <a:spLocks noGrp="1"/>
+          </p:cNvSpPr>
+          <p:nvPr>
+            <p:ph idx="1"/>
+          </p:nvPr>
+        </p:nvSpPr>
+        <p:spPr/>
+        <p:txBody>
+          <a:bodyPr/>
+          <a:p>
+            <a:pPr marL="0" indent="0" algn="ctr">
+              <a:buNone/>
+            </a:pPr>
+            <a:r>
+              <a:rPr lang="en-US" sz="9600"/>
+              <a:t>HVALA NA PAZNJI</a:t>
+            </a:r>
+            <a:endParaRPr lang="en-US" sz="9600"/>
+          </a:p>
+        </p:txBody>
+      </p:sp>
+    </p:spTree>
+  </p:cSld>
+  <p:clrMapOvr>
+    <a:masterClrMapping/>
+  </p:clrMapOvr>
+  <mc:AlternateContent xmlns:mc="http://schemas.openxmlformats.org/markup-compatibility/2006">
+    <mc:Choice xmlns:p14="http://schemas.microsoft.com/office/powerpoint/2010/main" Requires="p14">
+      <p:transition spd="med" p14:dur="750">
+        <p:pull/>
+      </p:transition>
+    </mc:Choice>
+    <mc:Fallback>
+      <p:transition spd="med">
+        <p:pull/>
+      </p:transition>
+    </mc:Fallback>
+  </mc:AlternateContent>
 </p:sld>
 </file>
 
